--- a/Apresentacao-Presentation.pptx
+++ b/Apresentacao-Presentation.pptx
@@ -351,7 +351,7 @@
           <a:p>
             <a:fld id="{05777D47-E1FD-4B20-845A-7930E08D57BF}" type="datetimeFigureOut">
               <a:rPr lang="pt-BR" smtClean="0"/>
-              <a:t>24/10/2023</a:t>
+              <a:t>27/10/2023</a:t>
             </a:fld>
             <a:endParaRPr lang="pt-BR"/>
           </a:p>
@@ -559,7 +559,7 @@
           <a:p>
             <a:fld id="{05777D47-E1FD-4B20-845A-7930E08D57BF}" type="datetimeFigureOut">
               <a:rPr lang="pt-BR" smtClean="0"/>
-              <a:t>24/10/2023</a:t>
+              <a:t>27/10/2023</a:t>
             </a:fld>
             <a:endParaRPr lang="pt-BR"/>
           </a:p>
@@ -815,7 +815,7 @@
           <a:p>
             <a:fld id="{05777D47-E1FD-4B20-845A-7930E08D57BF}" type="datetimeFigureOut">
               <a:rPr lang="pt-BR" smtClean="0"/>
-              <a:t>24/10/2023</a:t>
+              <a:t>27/10/2023</a:t>
             </a:fld>
             <a:endParaRPr lang="pt-BR"/>
           </a:p>
@@ -985,7 +985,7 @@
           <a:p>
             <a:fld id="{05777D47-E1FD-4B20-845A-7930E08D57BF}" type="datetimeFigureOut">
               <a:rPr lang="pt-BR" smtClean="0"/>
-              <a:t>24/10/2023</a:t>
+              <a:t>27/10/2023</a:t>
             </a:fld>
             <a:endParaRPr lang="pt-BR"/>
           </a:p>
@@ -1328,7 +1328,7 @@
           <a:p>
             <a:fld id="{05777D47-E1FD-4B20-845A-7930E08D57BF}" type="datetimeFigureOut">
               <a:rPr lang="pt-BR" smtClean="0"/>
-              <a:t>24/10/2023</a:t>
+              <a:t>27/10/2023</a:t>
             </a:fld>
             <a:endParaRPr lang="pt-BR"/>
           </a:p>
@@ -1603,7 +1603,7 @@
           <a:p>
             <a:fld id="{05777D47-E1FD-4B20-845A-7930E08D57BF}" type="datetimeFigureOut">
               <a:rPr lang="pt-BR" smtClean="0"/>
-              <a:t>24/10/2023</a:t>
+              <a:t>27/10/2023</a:t>
             </a:fld>
             <a:endParaRPr lang="pt-BR"/>
           </a:p>
@@ -1982,7 +1982,7 @@
           <a:p>
             <a:fld id="{05777D47-E1FD-4B20-845A-7930E08D57BF}" type="datetimeFigureOut">
               <a:rPr lang="pt-BR" smtClean="0"/>
-              <a:t>24/10/2023</a:t>
+              <a:t>27/10/2023</a:t>
             </a:fld>
             <a:endParaRPr lang="pt-BR"/>
           </a:p>
@@ -2100,7 +2100,7 @@
           <a:p>
             <a:fld id="{05777D47-E1FD-4B20-845A-7930E08D57BF}" type="datetimeFigureOut">
               <a:rPr lang="pt-BR" smtClean="0"/>
-              <a:t>24/10/2023</a:t>
+              <a:t>27/10/2023</a:t>
             </a:fld>
             <a:endParaRPr lang="pt-BR"/>
           </a:p>
@@ -2271,7 +2271,7 @@
           <a:p>
             <a:fld id="{05777D47-E1FD-4B20-845A-7930E08D57BF}" type="datetimeFigureOut">
               <a:rPr lang="pt-BR" smtClean="0"/>
-              <a:t>24/10/2023</a:t>
+              <a:t>27/10/2023</a:t>
             </a:fld>
             <a:endParaRPr lang="pt-BR"/>
           </a:p>
@@ -2625,7 +2625,7 @@
           <a:p>
             <a:fld id="{05777D47-E1FD-4B20-845A-7930E08D57BF}" type="datetimeFigureOut">
               <a:rPr lang="pt-BR" smtClean="0"/>
-              <a:t>24/10/2023</a:t>
+              <a:t>27/10/2023</a:t>
             </a:fld>
             <a:endParaRPr lang="pt-BR"/>
           </a:p>
@@ -3002,7 +3002,7 @@
           <a:p>
             <a:fld id="{05777D47-E1FD-4B20-845A-7930E08D57BF}" type="datetimeFigureOut">
               <a:rPr lang="pt-BR" smtClean="0"/>
-              <a:t>24/10/2023</a:t>
+              <a:t>27/10/2023</a:t>
             </a:fld>
             <a:endParaRPr lang="pt-BR"/>
           </a:p>
@@ -3289,7 +3289,7 @@
           <a:p>
             <a:fld id="{05777D47-E1FD-4B20-845A-7930E08D57BF}" type="datetimeFigureOut">
               <a:rPr lang="pt-BR" smtClean="0"/>
-              <a:t>24/10/2023</a:t>
+              <a:t>27/10/2023</a:t>
             </a:fld>
             <a:endParaRPr lang="pt-BR"/>
           </a:p>
@@ -5266,8 +5266,8 @@
         </p:nvSpPr>
         <p:spPr>
           <a:xfrm>
-            <a:off x="351690" y="590840"/>
-            <a:ext cx="2504051" cy="553998"/>
+            <a:off x="351691" y="520505"/>
+            <a:ext cx="1434904" cy="553998"/>
           </a:xfrm>
           <a:prstGeom prst="rect">
             <a:avLst/>
@@ -5289,7 +5289,7 @@
                   </a:schemeClr>
                 </a:solidFill>
               </a:rPr>
-              <a:t>OBSERVATION</a:t>
+              <a:t>NOTE</a:t>
             </a:r>
           </a:p>
         </p:txBody>
@@ -7745,7 +7745,7 @@
               <a:buChar char="Ø"/>
             </a:pPr>
             <a:r>
-              <a:rPr lang="pt-BR" sz="2500" b="1" dirty="0" err="1">
+              <a:rPr lang="pt-BR" sz="2500" b="1" dirty="0">
                 <a:solidFill>
                   <a:schemeClr val="accent1">
                     <a:lumMod val="75000"/>
@@ -7759,7 +7759,7 @@
                   </a:extLst>
                 </a:hlinkClick>
               </a:rPr>
-              <a:t>Observation</a:t>
+              <a:t>Note</a:t>
             </a:r>
             <a:endParaRPr lang="pt-BR" sz="2500" b="1" dirty="0">
               <a:solidFill>
